--- a/2025-Q3/Unity13/2025-09-28-Unity13.pptx
+++ b/2025-Q3/Unity13/2025-09-28-Unity13.pptx
@@ -20,7 +20,7 @@
     <p:sldId id="398" r:id="rId11"/>
   </p:sldIdLst>
   <p:sldSz cx="9144000" cy="6858000" type="screen4x3"/>
-  <p:notesSz cx="7315200" cy="9601200"/>
+  <p:notesSz cx="7099300" cy="9385300"/>
   <p:defaultTextStyle>
     <a:defPPr>
       <a:defRPr lang="en-US"/>
@@ -211,15 +211,15 @@
         </p:nvSpPr>
         <p:spPr>
           <a:xfrm>
-            <a:off x="1" y="0"/>
-            <a:ext cx="3169921" cy="480060"/>
+            <a:off x="2" y="0"/>
+            <a:ext cx="3076364" cy="469265"/>
           </a:xfrm>
           <a:prstGeom prst="rect">
             <a:avLst/>
           </a:prstGeom>
         </p:spPr>
         <p:txBody>
-          <a:bodyPr vert="horz" wrap="square" lIns="96644" tIns="48322" rIns="96644" bIns="48322" numCol="1" anchor="t" anchorCtr="0" compatLnSpc="1">
+          <a:bodyPr vert="horz" wrap="square" lIns="94170" tIns="47085" rIns="94170" bIns="47085" numCol="1" anchor="t" anchorCtr="0" compatLnSpc="1">
             <a:prstTxWarp prst="textNoShape">
               <a:avLst/>
             </a:prstTxWarp>
@@ -252,15 +252,15 @@
         </p:nvSpPr>
         <p:spPr>
           <a:xfrm>
-            <a:off x="4143589" y="0"/>
-            <a:ext cx="3169921" cy="480060"/>
+            <a:off x="4021296" y="0"/>
+            <a:ext cx="3076364" cy="469265"/>
           </a:xfrm>
           <a:prstGeom prst="rect">
             <a:avLst/>
           </a:prstGeom>
         </p:spPr>
         <p:txBody>
-          <a:bodyPr vert="horz" wrap="square" lIns="96644" tIns="48322" rIns="96644" bIns="48322" numCol="1" anchor="t" anchorCtr="0" compatLnSpc="1">
+          <a:bodyPr vert="horz" wrap="square" lIns="94170" tIns="47085" rIns="94170" bIns="47085" numCol="1" anchor="t" anchorCtr="0" compatLnSpc="1">
             <a:prstTxWarp prst="textNoShape">
               <a:avLst/>
             </a:prstTxWarp>
@@ -282,7 +282,7 @@
               <a:pPr>
                 <a:defRPr/>
               </a:pPr>
-              <a:t>9/26/2025</a:t>
+              <a:t>9/27/2025</a:t>
             </a:fld>
             <a:endParaRPr lang="en-US"/>
           </a:p>
@@ -300,8 +300,8 @@
         </p:nvSpPr>
         <p:spPr>
           <a:xfrm>
-            <a:off x="1257300" y="720725"/>
-            <a:ext cx="4800600" cy="3600450"/>
+            <a:off x="1203325" y="704850"/>
+            <a:ext cx="4692650" cy="3519488"/>
           </a:xfrm>
           <a:prstGeom prst="rect">
             <a:avLst/>
@@ -314,7 +314,7 @@
           </a:ln>
         </p:spPr>
         <p:txBody>
-          <a:bodyPr vert="horz" wrap="square" lIns="96644" tIns="48322" rIns="96644" bIns="48322" numCol="1" anchor="ctr" anchorCtr="0" compatLnSpc="1">
+          <a:bodyPr vert="horz" wrap="square" lIns="94170" tIns="47085" rIns="94170" bIns="47085" numCol="1" anchor="ctr" anchorCtr="0" compatLnSpc="1">
             <a:prstTxWarp prst="textNoShape">
               <a:avLst/>
             </a:prstTxWarp>
@@ -338,15 +338,15 @@
         </p:nvSpPr>
         <p:spPr>
           <a:xfrm>
-            <a:off x="731521" y="4560570"/>
-            <a:ext cx="5852160" cy="4320540"/>
+            <a:off x="709931" y="4458018"/>
+            <a:ext cx="5679440" cy="4223385"/>
           </a:xfrm>
           <a:prstGeom prst="rect">
             <a:avLst/>
           </a:prstGeom>
         </p:spPr>
         <p:txBody>
-          <a:bodyPr vert="horz" wrap="square" lIns="96644" tIns="48322" rIns="96644" bIns="48322" numCol="1" anchor="t" anchorCtr="0" compatLnSpc="1">
+          <a:bodyPr vert="horz" wrap="square" lIns="94170" tIns="47085" rIns="94170" bIns="47085" numCol="1" anchor="t" anchorCtr="0" compatLnSpc="1">
             <a:prstTxWarp prst="textNoShape">
               <a:avLst/>
             </a:prstTxWarp>
@@ -402,15 +402,15 @@
         </p:nvSpPr>
         <p:spPr>
           <a:xfrm>
-            <a:off x="1" y="9119474"/>
-            <a:ext cx="3169921" cy="480060"/>
+            <a:off x="2" y="8914406"/>
+            <a:ext cx="3076364" cy="469265"/>
           </a:xfrm>
           <a:prstGeom prst="rect">
             <a:avLst/>
           </a:prstGeom>
         </p:spPr>
         <p:txBody>
-          <a:bodyPr vert="horz" wrap="square" lIns="96644" tIns="48322" rIns="96644" bIns="48322" numCol="1" anchor="b" anchorCtr="0" compatLnSpc="1">
+          <a:bodyPr vert="horz" wrap="square" lIns="94170" tIns="47085" rIns="94170" bIns="47085" numCol="1" anchor="b" anchorCtr="0" compatLnSpc="1">
             <a:prstTxWarp prst="textNoShape">
               <a:avLst/>
             </a:prstTxWarp>
@@ -443,15 +443,15 @@
         </p:nvSpPr>
         <p:spPr>
           <a:xfrm>
-            <a:off x="4143589" y="9119474"/>
-            <a:ext cx="3169921" cy="480060"/>
+            <a:off x="4021296" y="8914406"/>
+            <a:ext cx="3076364" cy="469265"/>
           </a:xfrm>
           <a:prstGeom prst="rect">
             <a:avLst/>
           </a:prstGeom>
         </p:spPr>
         <p:txBody>
-          <a:bodyPr vert="horz" wrap="square" lIns="96644" tIns="48322" rIns="96644" bIns="48322" numCol="1" anchor="b" anchorCtr="0" compatLnSpc="1">
+          <a:bodyPr vert="horz" wrap="square" lIns="94170" tIns="47085" rIns="94170" bIns="47085" numCol="1" anchor="b" anchorCtr="0" compatLnSpc="1">
             <a:prstTxWarp prst="textNoShape">
               <a:avLst/>
             </a:prstTxWarp>
@@ -654,269 +654,42 @@
         <p:spPr/>
         <p:txBody>
           <a:bodyPr>
-            <a:normAutofit fontScale="55000" lnSpcReduction="20000"/>
+            <a:normAutofit/>
           </a:bodyPr>
           <a:lstStyle/>
           <a:p>
+            <a:r>
+              <a:rPr lang="en-US" dirty="0"/>
+              <a:t>Psalm 1 – The righteous Man</a:t>
+            </a:r>
+          </a:p>
+          <a:p>
+            <a:pPr defTabSz="890991"/>
+            <a:r>
+              <a:rPr lang="en-US" dirty="0" err="1"/>
+              <a:t>Psa</a:t>
+            </a:r>
+            <a:r>
+              <a:rPr lang="en-US" dirty="0"/>
+              <a:t> 1:1-6  How blessed is the one who does not follow the advice of the wicked, or stand in the pathway with sinners, or sit in the assembly of scoffers!  (2)  Instead he finds pleasure in obeying the LORD’s commands; he meditates on his commands day and night.  (3)  He is like a tree planted by flowing streams; it yields its fruit at the proper time, and its leaves never fall off. He succeeds in everything he attempts.  (4)  Not so with the wicked! Instead they are like wind-driven chaff.  (5)  For this reason the wicked cannot withstand judgment, nor can sinners join the assembly of the godly.  (6)  Certainly the LORD guards the way of the godly, but the way of the wicked ends in destruction.</a:t>
+            </a:r>
+          </a:p>
+          <a:p>
             <a:endParaRPr lang="en-US" dirty="0"/>
           </a:p>
           <a:p>
-            <a:r>
-              <a:rPr lang="en-US" b="1" dirty="0"/>
-              <a:t>Aleksandr Solzhenitsyn was a Russian novelist and dissident who survived the Soviet gulag labor camps. His book </a:t>
-            </a:r>
-            <a:r>
-              <a:rPr lang="en-US" b="1" i="1" dirty="0"/>
-              <a:t>The Gulag Archipelago</a:t>
-            </a:r>
-            <a:r>
-              <a:rPr lang="en-US" b="1" dirty="0"/>
-              <a:t> (1973) exposed the massive system of political repression in the USSR, combining his own experiences with testimonies from hundreds of prisoners. It shattered illusions about Soviet communism in the West and helped erode the Soviet regime’s moral authority.</a:t>
-            </a:r>
             <a:endParaRPr lang="en-US" dirty="0"/>
           </a:p>
           <a:p>
+            <a:pPr defTabSz="890991"/>
+            <a:r>
+              <a:rPr lang="en-US" dirty="0" err="1"/>
+              <a:t>Psa</a:t>
+            </a:r>
             <a:r>
               <a:rPr lang="en-US" dirty="0"/>
-              <a:t> </a:t>
-            </a:r>
-          </a:p>
-          <a:p>
-            <a:r>
-              <a:rPr lang="en-US" sz="1400" dirty="0"/>
-              <a:t>A famous line from </a:t>
-            </a:r>
-            <a:r>
-              <a:rPr lang="en-US" sz="1400" i="1" dirty="0"/>
-              <a:t>The Gulag Archipelago</a:t>
-            </a:r>
-            <a:r>
-              <a:rPr lang="en-US" sz="1400" dirty="0"/>
-              <a:t> is:</a:t>
-            </a:r>
-          </a:p>
-          <a:p>
-            <a:r>
-              <a:rPr lang="en-US" sz="1400" b="1" dirty="0"/>
-              <a:t>“The line dividing good and evil cuts through the heart of every human being.”</a:t>
-            </a:r>
-            <a:endParaRPr lang="en-US" sz="1400" dirty="0"/>
-          </a:p>
-          <a:p>
-            <a:r>
-              <a:rPr lang="en-US" sz="1400" dirty="0"/>
-              <a:t>Sometimes it’s paraphrased as </a:t>
-            </a:r>
-            <a:r>
-              <a:rPr lang="en-US" sz="1400" i="1" dirty="0"/>
-              <a:t>“the line between good and evil runs through every human heart.”</a:t>
-            </a:r>
-            <a:endParaRPr lang="en-US" sz="1400" dirty="0"/>
-          </a:p>
-          <a:p>
-            <a:r>
-              <a:rPr lang="en-US" sz="1400" dirty="0"/>
-              <a:t> </a:t>
-            </a:r>
-          </a:p>
-          <a:p>
-            <a:r>
-              <a:rPr lang="en-US" sz="1400" b="1" dirty="0"/>
-              <a:t>Context in </a:t>
-            </a:r>
-            <a:r>
-              <a:rPr lang="en-US" sz="1400" b="1" i="1" dirty="0"/>
-              <a:t>The Gulag Archipelago</a:t>
-            </a:r>
-            <a:endParaRPr lang="en-US" sz="1400" dirty="0"/>
-          </a:p>
-          <a:p>
-            <a:r>
-              <a:rPr lang="en-US" sz="1400" dirty="0"/>
-              <a:t>Solzhenitsyn reflects on what he learned while imprisoned in the Soviet gulag system. He expected that “evil” was only something done by cruel guards, corrupt officials, or dictators like Stalin. But in prison he realized it was more complicated:</a:t>
-            </a:r>
-          </a:p>
-          <a:p>
-            <a:pPr marL="176079" indent="-176079" fontAlgn="ctr">
-              <a:buFont typeface="Arial" panose="020B0604020202020204" pitchFamily="34" charset="0"/>
-              <a:buChar char="•"/>
-            </a:pPr>
-            <a:r>
-              <a:rPr lang="en-US" sz="1400" dirty="0"/>
-              <a:t>Evil isn’t just an external force embodied by villains “out there.”</a:t>
-            </a:r>
-          </a:p>
-          <a:p>
-            <a:pPr marL="176079" indent="-176079" fontAlgn="ctr">
-              <a:buFont typeface="Arial" panose="020B0604020202020204" pitchFamily="34" charset="0"/>
-              <a:buChar char="•"/>
-            </a:pPr>
-            <a:r>
-              <a:rPr lang="en-US" sz="1400" dirty="0"/>
-              <a:t>Each human being has the </a:t>
-            </a:r>
-            <a:r>
-              <a:rPr lang="en-US" sz="1400" b="1" dirty="0"/>
-              <a:t>capacity for both good and evil</a:t>
-            </a:r>
-            <a:r>
-              <a:rPr lang="en-US" sz="1400" dirty="0"/>
-              <a:t> within themselves.</a:t>
-            </a:r>
-          </a:p>
-          <a:p>
-            <a:pPr marL="176079" indent="-176079" fontAlgn="ctr">
-              <a:buFont typeface="Arial" panose="020B0604020202020204" pitchFamily="34" charset="0"/>
-              <a:buChar char="•"/>
-            </a:pPr>
-            <a:r>
-              <a:rPr lang="en-US" sz="1400" dirty="0"/>
-              <a:t>Even in the gulag, he observed that some prisoners betrayed others for survival, while others sacrificed for strangers.</a:t>
-            </a:r>
-          </a:p>
-          <a:p>
-            <a:pPr marL="176079" indent="-176079">
-              <a:buFont typeface="Arial" panose="020B0604020202020204" pitchFamily="34" charset="0"/>
-              <a:buChar char="•"/>
-            </a:pPr>
-            <a:r>
-              <a:rPr lang="en-US" sz="1400" dirty="0"/>
-              <a:t>This realization transformed his worldview. He stopped seeing history as a battle of “good people vs. bad people” and instead as a struggle </a:t>
-            </a:r>
-            <a:r>
-              <a:rPr lang="en-US" sz="1400" b="1" dirty="0"/>
-              <a:t>within each person</a:t>
-            </a:r>
-            <a:r>
-              <a:rPr lang="en-US" sz="1400" dirty="0"/>
-              <a:t>.</a:t>
-            </a:r>
-          </a:p>
-          <a:p>
-            <a:r>
-              <a:rPr lang="en-US" sz="1400" dirty="0"/>
-              <a:t> </a:t>
-            </a:r>
-          </a:p>
-          <a:p>
-            <a:r>
-              <a:rPr lang="en-US" sz="1400" b="1" dirty="0"/>
-              <a:t>His Perspective</a:t>
-            </a:r>
-            <a:endParaRPr lang="en-US" sz="1400" dirty="0"/>
-          </a:p>
-          <a:p>
-            <a:r>
-              <a:rPr lang="en-US" sz="1400" dirty="0"/>
-              <a:t>Solzhenitsyn’s insight was deeply shaped by his </a:t>
-            </a:r>
-            <a:r>
-              <a:rPr lang="en-US" sz="1400" b="1" dirty="0"/>
-              <a:t>Christian and moral awakening</a:t>
-            </a:r>
-            <a:r>
-              <a:rPr lang="en-US" sz="1400" dirty="0"/>
-              <a:t> while in prison. He came to believe:</a:t>
-            </a:r>
-          </a:p>
-          <a:p>
-            <a:pPr marL="176079" indent="-176079" fontAlgn="ctr">
-              <a:buFont typeface="Arial" panose="020B0604020202020204" pitchFamily="34" charset="0"/>
-              <a:buChar char="•"/>
-            </a:pPr>
-            <a:r>
-              <a:rPr lang="en-US" sz="1400" dirty="0"/>
-              <a:t>The first task of confronting evil is </a:t>
-            </a:r>
-            <a:r>
-              <a:rPr lang="en-US" sz="1400" b="1" dirty="0"/>
-              <a:t>self-examination</a:t>
-            </a:r>
-            <a:r>
-              <a:rPr lang="en-US" sz="1400" dirty="0"/>
-              <a:t>.</a:t>
-            </a:r>
-          </a:p>
-          <a:p>
-            <a:pPr marL="176079" indent="-176079" fontAlgn="ctr">
-              <a:buFont typeface="Arial" panose="020B0604020202020204" pitchFamily="34" charset="0"/>
-              <a:buChar char="•"/>
-            </a:pPr>
-            <a:r>
-              <a:rPr lang="en-US" sz="1400" dirty="0"/>
-              <a:t>No ideology or revolution can “fix humanity,” because even if you topple oppressors, evil remains in the hearts of ordinary people.</a:t>
-            </a:r>
-          </a:p>
-          <a:p>
-            <a:pPr marL="176079" indent="-176079" fontAlgn="ctr">
-              <a:buFont typeface="Arial" panose="020B0604020202020204" pitchFamily="34" charset="0"/>
-              <a:buChar char="•"/>
-            </a:pPr>
-            <a:r>
-              <a:rPr lang="en-US" sz="1400" dirty="0"/>
-              <a:t>True freedom and justice require </a:t>
-            </a:r>
-            <a:r>
-              <a:rPr lang="en-US" sz="1400" b="1" dirty="0"/>
-              <a:t>moral transformation from within</a:t>
-            </a:r>
-            <a:r>
-              <a:rPr lang="en-US" sz="1400" dirty="0"/>
-              <a:t>, not just political change.</a:t>
-            </a:r>
-          </a:p>
-          <a:p>
-            <a:r>
-              <a:rPr lang="en-US" sz="1400" dirty="0"/>
-              <a:t> </a:t>
-            </a:r>
-          </a:p>
-          <a:p>
-            <a:r>
-              <a:rPr lang="en-US" sz="1400" b="1" dirty="0"/>
-              <a:t>Why It Resonates</a:t>
-            </a:r>
-            <a:endParaRPr lang="en-US" sz="1400" dirty="0"/>
-          </a:p>
-          <a:p>
-            <a:r>
-              <a:rPr lang="en-US" sz="1400" dirty="0"/>
-              <a:t>This quote has endured because it challenges simplistic thinking:</a:t>
-            </a:r>
-          </a:p>
-          <a:p>
-            <a:pPr marL="176079" indent="-176079" fontAlgn="ctr">
-              <a:buFont typeface="Arial" panose="020B0604020202020204" pitchFamily="34" charset="0"/>
-              <a:buChar char="•"/>
-            </a:pPr>
-            <a:r>
-              <a:rPr lang="en-US" sz="1400" dirty="0"/>
-              <a:t>It rejects the idea that evil is only in “them” (the enemy, the other side, the government).</a:t>
-            </a:r>
-          </a:p>
-          <a:p>
-            <a:pPr marL="176079" indent="-176079" fontAlgn="ctr">
-              <a:buFont typeface="Arial" panose="020B0604020202020204" pitchFamily="34" charset="0"/>
-              <a:buChar char="•"/>
-            </a:pPr>
-            <a:r>
-              <a:rPr lang="en-US" sz="1400" dirty="0"/>
-              <a:t>It reminds us that the battle between good and evil is </a:t>
-            </a:r>
-            <a:r>
-              <a:rPr lang="en-US" sz="1400" b="1" dirty="0"/>
-              <a:t>internal and personal</a:t>
-            </a:r>
-            <a:r>
-              <a:rPr lang="en-US" sz="1400" dirty="0"/>
-              <a:t>.</a:t>
-            </a:r>
-          </a:p>
-          <a:p>
-            <a:endParaRPr lang="en-US" sz="1400" dirty="0"/>
-          </a:p>
-          <a:p>
-            <a:endParaRPr lang="en-US" dirty="0"/>
+              <a:t> 32:1-2  How blessed is the one whose rebellious acts are forgiven, whose sin is pardoned!  (2)  How blessed is the one whose wrongdoing the LORD does not punish, in whose spirit there is no deceit.</a:t>
+            </a:r>
           </a:p>
           <a:p>
             <a:endParaRPr lang="en-US" dirty="0"/>
@@ -1007,7 +780,7 @@
         <p:spPr/>
         <p:txBody>
           <a:bodyPr>
-            <a:normAutofit fontScale="85000" lnSpcReduction="20000"/>
+            <a:normAutofit/>
           </a:bodyPr>
           <a:lstStyle/>
           <a:p>
@@ -1015,65 +788,65 @@
           </a:p>
           <a:p>
             <a:r>
-              <a:rPr lang="en-US" sz="1400" b="1" dirty="0"/>
+              <a:rPr lang="en-US" sz="1600" b="1" dirty="0"/>
               <a:t>The Righteousness of God is revealed from Faith to Faith…</a:t>
             </a:r>
           </a:p>
           <a:p>
             <a:pPr lvl="1"/>
             <a:r>
-              <a:rPr lang="en-US" sz="1400" b="1" dirty="0"/>
+              <a:rPr lang="en-US" sz="1600" b="1" dirty="0"/>
               <a:t>2 Cor. 5:21  </a:t>
             </a:r>
             <a:r>
-              <a:rPr lang="en-US" sz="1400" dirty="0"/>
+              <a:rPr lang="en-US" sz="1600" dirty="0"/>
               <a:t>…”For He made Him who know no sin to be sin for us, that we might become the righteousness of God in Him.”</a:t>
             </a:r>
           </a:p>
           <a:p>
             <a:pPr lvl="0"/>
-            <a:endParaRPr lang="en-US" sz="1400" dirty="0"/>
+            <a:endParaRPr lang="en-US" sz="1600" dirty="0"/>
           </a:p>
           <a:p>
             <a:pPr lvl="0"/>
             <a:r>
-              <a:rPr lang="en-US" sz="1400" dirty="0"/>
+              <a:rPr lang="en-US" sz="1600" dirty="0"/>
               <a:t>What is the meaning of the phrase (Hab 2:4) relative to the </a:t>
             </a:r>
             <a:r>
-              <a:rPr lang="en-US" sz="1400" b="1" dirty="0"/>
+              <a:rPr lang="en-US" sz="1600" b="1" dirty="0"/>
               <a:t>Patriarchal, the Mosaic, and the Christian eras</a:t>
             </a:r>
             <a:r>
-              <a:rPr lang="en-US" sz="1400" dirty="0"/>
+              <a:rPr lang="en-US" sz="1600" dirty="0"/>
               <a:t>?   </a:t>
             </a:r>
           </a:p>
           <a:p>
-            <a:pPr marL="763010" lvl="1" indent="-293465">
+            <a:pPr marL="743477" lvl="1" indent="-285952">
               <a:buFont typeface="Arial" panose="020B0604020202020204" pitchFamily="34" charset="0"/>
               <a:buChar char="•"/>
             </a:pPr>
             <a:r>
-              <a:rPr lang="en-US" sz="1400" b="1" dirty="0"/>
+              <a:rPr lang="en-US" sz="1600" b="1" dirty="0"/>
               <a:t>Within each era</a:t>
             </a:r>
             <a:r>
-              <a:rPr lang="en-US" sz="1400" dirty="0"/>
+              <a:rPr lang="en-US" sz="1600" dirty="0"/>
               <a:t>, the believer’s relationship to God is based upon God’s promises.</a:t>
             </a:r>
           </a:p>
           <a:p>
-            <a:pPr marL="763010" lvl="1" indent="-293465">
+            <a:pPr marL="743477" lvl="1" indent="-285952">
               <a:buFont typeface="Arial" panose="020B0604020202020204" pitchFamily="34" charset="0"/>
               <a:buChar char="•"/>
             </a:pPr>
             <a:r>
-              <a:rPr lang="en-US" sz="1400" b="1" dirty="0"/>
+              <a:rPr lang="en-US" sz="1600" b="1" dirty="0"/>
               <a:t>Within each era</a:t>
             </a:r>
             <a:r>
-              <a:rPr lang="en-US" sz="1400" dirty="0"/>
+              <a:rPr lang="en-US" sz="1600" dirty="0"/>
               <a:t>, sin is dealt with in accordance with God’s instruction, the believer simply obeys and accepts by faith.</a:t>
             </a:r>
           </a:p>
@@ -1090,7 +863,7 @@
             <a:endParaRPr lang="en-US" sz="1400" dirty="0"/>
           </a:p>
           <a:p>
-            <a:pPr marL="469544" lvl="1"/>
+            <a:pPr marL="457524" lvl="1"/>
             <a:endParaRPr lang="en-US" sz="1400" dirty="0"/>
           </a:p>
         </p:txBody>
@@ -1202,328 +975,328 @@
           <a:lstStyle/>
           <a:p>
             <a:r>
-              <a:rPr lang="en-US" sz="1400" b="1" dirty="0"/>
+              <a:rPr lang="en-US" sz="1600" b="1" dirty="0"/>
               <a:t>World-View – Common to all men everywhere always.</a:t>
             </a:r>
           </a:p>
           <a:p>
-            <a:pPr marL="240858" indent="-240858">
+            <a:pPr marL="234692" indent="-234692">
               <a:buAutoNum type="arabicPeriod"/>
             </a:pPr>
             <a:r>
-              <a:rPr lang="en-US" sz="1400" dirty="0"/>
+              <a:rPr lang="en-US" sz="1600" dirty="0"/>
               <a:t>Origins (Where do we come from?)</a:t>
             </a:r>
           </a:p>
           <a:p>
-            <a:pPr marL="240858" indent="-240858">
+            <a:pPr marL="234692" indent="-234692">
               <a:buAutoNum type="arabicPeriod"/>
             </a:pPr>
             <a:r>
-              <a:rPr lang="en-US" sz="1400" dirty="0"/>
+              <a:rPr lang="en-US" sz="1600" dirty="0"/>
               <a:t>Meaning (Why are we here?)</a:t>
             </a:r>
           </a:p>
           <a:p>
-            <a:pPr marL="240858" indent="-240858">
+            <a:pPr marL="234692" indent="-234692">
               <a:buAutoNum type="arabicPeriod"/>
             </a:pPr>
             <a:r>
-              <a:rPr lang="en-US" sz="1400" dirty="0"/>
+              <a:rPr lang="en-US" sz="1600" dirty="0"/>
               <a:t>Morality (How should we live?)</a:t>
             </a:r>
           </a:p>
           <a:p>
-            <a:pPr marL="240858" indent="-240858">
+            <a:pPr marL="234692" indent="-234692">
               <a:buAutoNum type="arabicPeriod"/>
             </a:pPr>
             <a:r>
-              <a:rPr lang="en-US" sz="1400" dirty="0"/>
+              <a:rPr lang="en-US" sz="1600" dirty="0"/>
               <a:t>Destiny (Where are we going?)</a:t>
             </a:r>
           </a:p>
           <a:p>
-            <a:endParaRPr lang="en-US" sz="1400" dirty="0"/>
-          </a:p>
-          <a:p>
-            <a:r>
-              <a:rPr lang="en-US" sz="1400" dirty="0"/>
+            <a:endParaRPr lang="en-US" sz="1600" dirty="0"/>
+          </a:p>
+          <a:p>
+            <a:r>
+              <a:rPr lang="en-US" sz="1600" dirty="0"/>
               <a:t>God’s Problem and Man’s Need (The Law of Sin and Death </a:t>
             </a:r>
             <a:r>
-              <a:rPr lang="en-US" sz="1400" dirty="0">
+              <a:rPr lang="en-US" sz="1600" dirty="0">
                 <a:sym typeface="Wingdings" panose="05000000000000000000" pitchFamily="2" charset="2"/>
               </a:rPr>
               <a:t> Faith in God’s Grace and Mercy)</a:t>
             </a:r>
+            <a:endParaRPr lang="en-US" sz="1600" dirty="0"/>
+          </a:p>
+          <a:p>
             <a:endParaRPr lang="en-US" sz="1400" dirty="0"/>
           </a:p>
           <a:p>
-            <a:endParaRPr lang="en-US" sz="1400" dirty="0"/>
-          </a:p>
-          <a:p>
-            <a:r>
-              <a:rPr lang="en-US" sz="1400" b="1" dirty="0"/>
+            <a:r>
+              <a:rPr lang="en-US" sz="1600" b="1" dirty="0"/>
               <a:t>1. Theology (Ultimate Reality)</a:t>
             </a:r>
-            <a:endParaRPr lang="en-US" sz="1400" dirty="0"/>
+            <a:endParaRPr lang="en-US" sz="1600" dirty="0"/>
           </a:p>
           <a:p>
             <a:pPr rtl="0" fontAlgn="ctr"/>
             <a:r>
-              <a:rPr lang="en-US" sz="1400" dirty="0"/>
+              <a:rPr lang="en-US" sz="1600" dirty="0"/>
               <a:t>Who or what is the ultimate source of existence?</a:t>
             </a:r>
           </a:p>
           <a:p>
             <a:pPr rtl="0" fontAlgn="ctr"/>
             <a:r>
-              <a:rPr lang="en-US" sz="1400" dirty="0"/>
+              <a:rPr lang="en-US" sz="1600" dirty="0"/>
               <a:t>Does God exist? If so, what is His nature (personal, impersonal, transcendent, immanent)?</a:t>
             </a:r>
           </a:p>
           <a:p>
             <a:pPr rtl="0" fontAlgn="ctr"/>
             <a:r>
-              <a:rPr lang="en-US" sz="1400" dirty="0"/>
+              <a:rPr lang="en-US" sz="1600" dirty="0"/>
               <a:t>How do divine revelation and human reason relate?</a:t>
             </a:r>
           </a:p>
           <a:p>
             <a:r>
-              <a:rPr lang="en-US" sz="1400" dirty="0"/>
+              <a:rPr lang="en-US" sz="1600" dirty="0"/>
               <a:t> </a:t>
             </a:r>
           </a:p>
           <a:p>
             <a:r>
-              <a:rPr lang="en-US" sz="1400" b="1" dirty="0"/>
+              <a:rPr lang="en-US" sz="1600" b="1" dirty="0"/>
               <a:t>2. Metaphysics (Nature of Reality)</a:t>
             </a:r>
-            <a:endParaRPr lang="en-US" sz="1400" dirty="0"/>
+            <a:endParaRPr lang="en-US" sz="1600" dirty="0"/>
           </a:p>
           <a:p>
             <a:pPr rtl="0" fontAlgn="ctr"/>
             <a:r>
-              <a:rPr lang="en-US" sz="1400" dirty="0"/>
+              <a:rPr lang="en-US" sz="1600" dirty="0"/>
               <a:t>What is real? Is reality material, spiritual, or both?</a:t>
             </a:r>
           </a:p>
           <a:p>
             <a:pPr rtl="0" fontAlgn="ctr"/>
             <a:r>
-              <a:rPr lang="en-US" sz="1400" dirty="0"/>
+              <a:rPr lang="en-US" sz="1600" dirty="0"/>
               <a:t>What is the relationship between the physical and the metaphysical (seen/unseen)?</a:t>
             </a:r>
           </a:p>
           <a:p>
             <a:pPr rtl="0" fontAlgn="ctr"/>
             <a:r>
-              <a:rPr lang="en-US" sz="1400" dirty="0"/>
+              <a:rPr lang="en-US" sz="1600" dirty="0"/>
               <a:t>How does causality, order, and purpose operate in the world?</a:t>
             </a:r>
           </a:p>
           <a:p>
             <a:r>
-              <a:rPr lang="en-US" sz="1400" dirty="0"/>
+              <a:rPr lang="en-US" sz="1600" dirty="0"/>
               <a:t> </a:t>
             </a:r>
           </a:p>
           <a:p>
             <a:r>
-              <a:rPr lang="en-US" sz="1400" b="1" dirty="0"/>
+              <a:rPr lang="en-US" sz="1600" b="1" dirty="0"/>
               <a:t>3. Anthropology (Nature of Man)</a:t>
             </a:r>
-            <a:endParaRPr lang="en-US" sz="1400" dirty="0"/>
+            <a:endParaRPr lang="en-US" sz="1600" dirty="0"/>
           </a:p>
           <a:p>
             <a:pPr rtl="0" fontAlgn="ctr"/>
             <a:r>
-              <a:rPr lang="en-US" sz="1400" dirty="0"/>
+              <a:rPr lang="en-US" sz="1600" dirty="0"/>
               <a:t>What does it mean to be human?</a:t>
             </a:r>
           </a:p>
           <a:p>
             <a:pPr rtl="0" fontAlgn="ctr"/>
             <a:r>
-              <a:rPr lang="en-US" sz="1400" dirty="0"/>
+              <a:rPr lang="en-US" sz="1600" dirty="0"/>
               <a:t>Are we primarily rational, spiritual, moral, or biological beings?</a:t>
             </a:r>
           </a:p>
           <a:p>
             <a:pPr rtl="0" fontAlgn="ctr"/>
             <a:r>
-              <a:rPr lang="en-US" sz="1400" dirty="0"/>
+              <a:rPr lang="en-US" sz="1600" dirty="0"/>
               <a:t>What is the human condition: fallen, progressing, neutral, perfectible?</a:t>
             </a:r>
           </a:p>
           <a:p>
             <a:r>
-              <a:rPr lang="en-US" sz="1400" dirty="0"/>
+              <a:rPr lang="en-US" sz="1600" dirty="0"/>
               <a:t> </a:t>
             </a:r>
           </a:p>
           <a:p>
             <a:r>
-              <a:rPr lang="en-US" sz="1400" b="1" dirty="0"/>
+              <a:rPr lang="en-US" sz="1600" b="1" dirty="0"/>
               <a:t>4. Epistemology (Nature of Knowledge)</a:t>
             </a:r>
-            <a:endParaRPr lang="en-US" sz="1400" dirty="0"/>
+            <a:endParaRPr lang="en-US" sz="1600" dirty="0"/>
           </a:p>
           <a:p>
             <a:pPr rtl="0" fontAlgn="ctr"/>
             <a:r>
-              <a:rPr lang="en-US" sz="1400" dirty="0"/>
+              <a:rPr lang="en-US" sz="1600" dirty="0"/>
               <a:t>How do we know what we know?</a:t>
             </a:r>
           </a:p>
           <a:p>
             <a:pPr rtl="0" fontAlgn="ctr"/>
             <a:r>
-              <a:rPr lang="en-US" sz="1400" dirty="0"/>
+              <a:rPr lang="en-US" sz="1600" dirty="0"/>
               <a:t>Is truth absolute or relative?</a:t>
             </a:r>
           </a:p>
           <a:p>
             <a:pPr rtl="0" fontAlgn="ctr"/>
             <a:r>
-              <a:rPr lang="en-US" sz="1400" dirty="0"/>
+              <a:rPr lang="en-US" sz="1600" dirty="0"/>
               <a:t>What are the sources of knowledge — revelation, reason, experience, tradition?</a:t>
             </a:r>
           </a:p>
           <a:p>
             <a:r>
-              <a:rPr lang="en-US" sz="1400" dirty="0"/>
+              <a:rPr lang="en-US" sz="1600" dirty="0"/>
               <a:t> </a:t>
             </a:r>
           </a:p>
           <a:p>
             <a:r>
-              <a:rPr lang="en-US" sz="1400" b="1" dirty="0"/>
+              <a:rPr lang="en-US" sz="1600" b="1" dirty="0"/>
               <a:t>5. Ethics (Nature of Good and Evil)</a:t>
             </a:r>
-            <a:endParaRPr lang="en-US" sz="1400" dirty="0"/>
+            <a:endParaRPr lang="en-US" sz="1600" dirty="0"/>
           </a:p>
           <a:p>
             <a:pPr rtl="0" fontAlgn="ctr"/>
             <a:r>
-              <a:rPr lang="en-US" sz="1400" dirty="0"/>
+              <a:rPr lang="en-US" sz="1600" dirty="0"/>
               <a:t>What is right and wrong, and on what grounds?</a:t>
             </a:r>
           </a:p>
           <a:p>
             <a:pPr rtl="0" fontAlgn="ctr"/>
             <a:r>
-              <a:rPr lang="en-US" sz="1400" dirty="0"/>
+              <a:rPr lang="en-US" sz="1600" dirty="0"/>
               <a:t>Are moral values absolute, situational, or constructed?</a:t>
             </a:r>
           </a:p>
           <a:p>
             <a:pPr rtl="0" fontAlgn="ctr"/>
             <a:r>
-              <a:rPr lang="en-US" sz="1400" dirty="0"/>
+              <a:rPr lang="en-US" sz="1600" dirty="0"/>
               <a:t>How do virtue, duty, and law shape human behavior?</a:t>
             </a:r>
           </a:p>
           <a:p>
             <a:r>
-              <a:rPr lang="en-US" sz="1400" dirty="0"/>
+              <a:rPr lang="en-US" sz="1600" dirty="0"/>
               <a:t> </a:t>
             </a:r>
           </a:p>
           <a:p>
             <a:r>
-              <a:rPr lang="en-US" sz="1400" b="1" dirty="0"/>
+              <a:rPr lang="en-US" sz="1600" b="1" dirty="0"/>
               <a:t>6. Purpose / Teleology (Meaning of Life &amp; History)</a:t>
             </a:r>
-            <a:endParaRPr lang="en-US" sz="1400" dirty="0"/>
+            <a:endParaRPr lang="en-US" sz="1600" dirty="0"/>
           </a:p>
           <a:p>
             <a:pPr rtl="0" fontAlgn="ctr"/>
             <a:r>
-              <a:rPr lang="en-US" sz="1400" dirty="0"/>
+              <a:rPr lang="en-US" sz="1600" dirty="0"/>
               <a:t>Why are we here?</a:t>
             </a:r>
           </a:p>
           <a:p>
             <a:pPr rtl="0" fontAlgn="ctr"/>
             <a:r>
-              <a:rPr lang="en-US" sz="1400" dirty="0"/>
+              <a:rPr lang="en-US" sz="1600" dirty="0"/>
               <a:t>Does life have a divinely given purpose, or do humans create their own meaning?</a:t>
             </a:r>
           </a:p>
           <a:p>
             <a:pPr rtl="0" fontAlgn="ctr"/>
             <a:r>
-              <a:rPr lang="en-US" sz="1400" dirty="0"/>
+              <a:rPr lang="en-US" sz="1600" dirty="0"/>
               <a:t>Is history linear (with a goal), cyclical, or chaotic?</a:t>
             </a:r>
           </a:p>
           <a:p>
             <a:r>
-              <a:rPr lang="en-US" sz="1400" dirty="0"/>
+              <a:rPr lang="en-US" sz="1600" dirty="0"/>
               <a:t> </a:t>
             </a:r>
           </a:p>
           <a:p>
             <a:r>
-              <a:rPr lang="en-US" sz="1400" b="1" dirty="0"/>
+              <a:rPr lang="en-US" sz="1600" b="1" dirty="0"/>
               <a:t>7. Society &amp; Culture (Relationships and Institutions)</a:t>
             </a:r>
-            <a:endParaRPr lang="en-US" sz="1400" dirty="0"/>
+            <a:endParaRPr lang="en-US" sz="1600" dirty="0"/>
           </a:p>
           <a:p>
             <a:pPr rtl="0" fontAlgn="ctr"/>
             <a:r>
-              <a:rPr lang="en-US" sz="1400" dirty="0"/>
+              <a:rPr lang="en-US" sz="1600" dirty="0"/>
               <a:t>What is the role of family, community, church, and state?</a:t>
             </a:r>
           </a:p>
           <a:p>
             <a:pPr rtl="0" fontAlgn="ctr"/>
             <a:r>
-              <a:rPr lang="en-US" sz="1400" dirty="0"/>
+              <a:rPr lang="en-US" sz="1600" dirty="0"/>
               <a:t>How should justice, freedom, and authority be understood?</a:t>
             </a:r>
           </a:p>
           <a:p>
             <a:pPr rtl="0" fontAlgn="ctr"/>
             <a:r>
-              <a:rPr lang="en-US" sz="1400" dirty="0"/>
+              <a:rPr lang="en-US" sz="1600" dirty="0"/>
               <a:t>How do worldview commitments shape culture, art, and politics?</a:t>
             </a:r>
           </a:p>
           <a:p>
             <a:r>
-              <a:rPr lang="en-US" sz="1400" dirty="0"/>
+              <a:rPr lang="en-US" sz="1600" dirty="0"/>
               <a:t> </a:t>
             </a:r>
           </a:p>
           <a:p>
             <a:r>
-              <a:rPr lang="en-US" sz="1400" b="1" dirty="0"/>
+              <a:rPr lang="en-US" sz="1600" b="1" dirty="0"/>
               <a:t>8. Destiny (Eschatology / Future)</a:t>
             </a:r>
-            <a:endParaRPr lang="en-US" sz="1400" dirty="0"/>
+            <a:endParaRPr lang="en-US" sz="1600" dirty="0"/>
           </a:p>
           <a:p>
             <a:pPr rtl="0" fontAlgn="ctr"/>
             <a:r>
-              <a:rPr lang="en-US" sz="1400" dirty="0"/>
+              <a:rPr lang="en-US" sz="1600" dirty="0"/>
               <a:t>What happens after death?</a:t>
             </a:r>
           </a:p>
           <a:p>
             <a:pPr rtl="0" fontAlgn="ctr"/>
             <a:r>
-              <a:rPr lang="en-US" sz="1400" dirty="0"/>
+              <a:rPr lang="en-US" sz="1600" dirty="0"/>
               <a:t>Is there an afterlife, resurrection, reincarnation, or nothingness?</a:t>
             </a:r>
           </a:p>
           <a:p>
             <a:pPr rtl="0" fontAlgn="ctr"/>
             <a:r>
-              <a:rPr lang="en-US" sz="1400" dirty="0"/>
+              <a:rPr lang="en-US" sz="1600" dirty="0"/>
               <a:t>What is the ultimate end of the world — restoration, progress, extinction?</a:t>
             </a:r>
           </a:p>
@@ -1622,7 +1395,7 @@
         <p:spPr/>
         <p:txBody>
           <a:bodyPr>
-            <a:normAutofit fontScale="40000" lnSpcReduction="20000"/>
+            <a:normAutofit fontScale="55000" lnSpcReduction="20000"/>
           </a:bodyPr>
           <a:lstStyle/>
           <a:p>
@@ -1630,261 +1403,261 @@
           </a:p>
           <a:p>
             <a:r>
-              <a:rPr lang="en-US" sz="1400" b="1" dirty="0"/>
+              <a:rPr lang="en-US" sz="1600" b="1" dirty="0"/>
               <a:t>“Follow Me”   not “study Me”</a:t>
             </a:r>
           </a:p>
           <a:p>
-            <a:endParaRPr lang="en-US" sz="1400" dirty="0"/>
-          </a:p>
-          <a:p>
-            <a:r>
-              <a:rPr lang="en-US" sz="1400" b="1" dirty="0"/>
+            <a:endParaRPr lang="en-US" sz="1600" dirty="0"/>
+          </a:p>
+          <a:p>
+            <a:r>
+              <a:rPr lang="en-US" sz="1600" b="1" dirty="0"/>
               <a:t>Reflecting on the way that God operates…</a:t>
             </a:r>
           </a:p>
           <a:p>
-            <a:endParaRPr lang="en-US" sz="1400" dirty="0"/>
-          </a:p>
-          <a:p>
-            <a:pPr marL="234772" indent="-234772">
+            <a:endParaRPr lang="en-US" sz="1600" dirty="0"/>
+          </a:p>
+          <a:p>
+            <a:pPr marL="228762" indent="-228762">
               <a:buAutoNum type="arabicPeriod"/>
             </a:pPr>
             <a:r>
-              <a:rPr lang="en-US" sz="1400" dirty="0"/>
+              <a:rPr lang="en-US" sz="1600" dirty="0"/>
               <a:t>Thru 1 man, Adam, sin entered the World.</a:t>
             </a:r>
           </a:p>
           <a:p>
-            <a:pPr marL="234772" indent="-234772">
+            <a:pPr marL="228762" indent="-228762">
               <a:buAutoNum type="arabicPeriod"/>
             </a:pPr>
             <a:r>
-              <a:rPr lang="en-US" sz="1400" dirty="0"/>
+              <a:rPr lang="en-US" sz="1600" dirty="0"/>
               <a:t>Thru 1 man, Noah, God resolved to renew this World and promised to overcome the effects of sin in it.</a:t>
             </a:r>
           </a:p>
           <a:p>
-            <a:pPr marL="234772" indent="-234772">
+            <a:pPr marL="228762" indent="-228762">
               <a:buAutoNum type="arabicPeriod"/>
             </a:pPr>
             <a:r>
-              <a:rPr lang="en-US" sz="1400" dirty="0"/>
+              <a:rPr lang="en-US" sz="1600" dirty="0"/>
               <a:t>Thru 1 man, Abraham, God reached a family and promised to bless all families.</a:t>
             </a:r>
           </a:p>
           <a:p>
-            <a:pPr marL="234772" indent="-234772">
+            <a:pPr marL="228762" indent="-228762">
               <a:buAutoNum type="arabicPeriod"/>
             </a:pPr>
             <a:r>
-              <a:rPr lang="en-US" sz="1400" dirty="0"/>
+              <a:rPr lang="en-US" sz="1600" dirty="0"/>
               <a:t>Thru 1 man, Moses, God reached a nation and promised to bless all nations.</a:t>
             </a:r>
           </a:p>
           <a:p>
-            <a:pPr marL="234772" indent="-234772">
+            <a:pPr marL="228762" indent="-228762">
               <a:buAutoNum type="arabicPeriod"/>
             </a:pPr>
             <a:r>
-              <a:rPr lang="en-US" sz="1400" dirty="0"/>
+              <a:rPr lang="en-US" sz="1600" dirty="0"/>
               <a:t>Thru 1 man, Jesus, God reached the world and promises to be with each of us to the end of the World</a:t>
             </a:r>
           </a:p>
           <a:p>
-            <a:pPr marL="234772" indent="-234772">
+            <a:pPr marL="228762" indent="-228762">
               <a:buAutoNum type="arabicPeriod"/>
             </a:pPr>
-            <a:endParaRPr lang="en-US" sz="1400" dirty="0"/>
-          </a:p>
-          <a:p>
-            <a:r>
-              <a:rPr lang="en-US" sz="1400" b="1" dirty="0"/>
+            <a:endParaRPr lang="en-US" sz="1600" dirty="0"/>
+          </a:p>
+          <a:p>
+            <a:r>
+              <a:rPr lang="en-US" sz="1600" b="1" dirty="0"/>
               <a:t>Does God want a specific outcome from humanity…?</a:t>
             </a:r>
-            <a:endParaRPr lang="en-US" dirty="0"/>
-          </a:p>
-          <a:p>
-            <a:endParaRPr lang="en-US" sz="1400" dirty="0"/>
-          </a:p>
-          <a:p>
-            <a:r>
-              <a:rPr lang="en-US" sz="1400" b="1" dirty="0"/>
+            <a:endParaRPr lang="en-US" sz="1600" dirty="0"/>
+          </a:p>
+          <a:p>
+            <a:endParaRPr lang="en-US" sz="1600" dirty="0"/>
+          </a:p>
+          <a:p>
+            <a:r>
+              <a:rPr lang="en-US" sz="1600" b="1" dirty="0"/>
               <a:t>Perspective on why God operates the way that He has in human history…</a:t>
             </a:r>
           </a:p>
           <a:p>
-            <a:endParaRPr lang="en-US" sz="1400" b="1" dirty="0"/>
-          </a:p>
-          <a:p>
-            <a:pPr defTabSz="939089"/>
-            <a:r>
-              <a:rPr lang="en-US" dirty="0"/>
+            <a:endParaRPr lang="en-US" sz="1600" b="1" dirty="0"/>
+          </a:p>
+          <a:p>
+            <a:pPr defTabSz="915048"/>
+            <a:r>
+              <a:rPr lang="en-US" sz="1600" dirty="0"/>
               <a:t>Rom 3:21-24  But now apart from the law the </a:t>
             </a:r>
             <a:r>
-              <a:rPr lang="en-US" b="1" dirty="0"/>
+              <a:rPr lang="en-US" sz="1600" b="1" dirty="0"/>
               <a:t>righteousness of God </a:t>
             </a:r>
             <a:r>
-              <a:rPr lang="en-US" dirty="0"/>
+              <a:rPr lang="en-US" sz="1600" dirty="0"/>
               <a:t>(although it is attested by the law and the prophets) </a:t>
             </a:r>
             <a:r>
-              <a:rPr lang="en-US" b="1" dirty="0"/>
+              <a:rPr lang="en-US" sz="1600" b="1" dirty="0"/>
               <a:t>has been disclosed </a:t>
             </a:r>
             <a:r>
-              <a:rPr lang="en-US" dirty="0"/>
+              <a:rPr lang="en-US" sz="1600" dirty="0"/>
               <a:t>–  (22)  </a:t>
             </a:r>
             <a:r>
-              <a:rPr lang="en-US" b="1" dirty="0"/>
+              <a:rPr lang="en-US" sz="1600" b="1" dirty="0"/>
               <a:t>namely, the righteousness of God through the faithfulness of Jesus Christ for all who believe</a:t>
             </a:r>
             <a:r>
-              <a:rPr lang="en-US" dirty="0"/>
+              <a:rPr lang="en-US" sz="1600" dirty="0"/>
               <a:t>. For there is no distinction,  (23)  </a:t>
             </a:r>
             <a:r>
-              <a:rPr lang="en-US" b="1" dirty="0"/>
+              <a:rPr lang="en-US" sz="1600" b="1" dirty="0"/>
               <a:t>for all have sinned and fall short of the glory of God.</a:t>
             </a:r>
             <a:r>
-              <a:rPr lang="en-US" dirty="0"/>
+              <a:rPr lang="en-US" sz="1600" dirty="0"/>
               <a:t>  (24)  But they are justified freely by his grace through the redemption that is in Christ Jesus.</a:t>
             </a:r>
           </a:p>
           <a:p>
-            <a:endParaRPr lang="en-US" sz="1400" b="1" dirty="0"/>
-          </a:p>
-          <a:p>
-            <a:r>
-              <a:rPr lang="en-US" sz="1400" dirty="0"/>
+            <a:endParaRPr lang="en-US" sz="1600" b="1" dirty="0"/>
+          </a:p>
+          <a:p>
+            <a:r>
+              <a:rPr lang="en-US" sz="1600" dirty="0"/>
               <a:t>A famous line from </a:t>
             </a:r>
             <a:r>
-              <a:rPr lang="en-US" sz="1400" i="1" dirty="0"/>
+              <a:rPr lang="en-US" sz="1600" i="1" dirty="0"/>
               <a:t>The Gulag Archipelago</a:t>
             </a:r>
             <a:r>
-              <a:rPr lang="en-US" sz="1400" dirty="0"/>
+              <a:rPr lang="en-US" sz="1600" dirty="0"/>
               <a:t> is:</a:t>
             </a:r>
           </a:p>
           <a:p>
             <a:r>
-              <a:rPr lang="en-US" sz="1400" b="1" dirty="0"/>
+              <a:rPr lang="en-US" sz="1600" b="1" dirty="0"/>
               <a:t>“The line dividing good and evil cuts through the heart of every human being.”</a:t>
             </a:r>
-            <a:endParaRPr lang="en-US" sz="1400" dirty="0"/>
-          </a:p>
-          <a:p>
-            <a:r>
-              <a:rPr lang="en-US" sz="1400" dirty="0"/>
+            <a:endParaRPr lang="en-US" sz="1600" dirty="0"/>
+          </a:p>
+          <a:p>
+            <a:r>
+              <a:rPr lang="en-US" sz="1600" dirty="0"/>
               <a:t>Sometimes it’s paraphrased as </a:t>
             </a:r>
             <a:r>
-              <a:rPr lang="en-US" sz="1400" i="1" dirty="0"/>
+              <a:rPr lang="en-US" sz="1600" i="1" dirty="0"/>
               <a:t>“the line between good and evil runs through every human heart.”</a:t>
             </a:r>
-            <a:endParaRPr lang="en-US" sz="1400" b="1" dirty="0"/>
-          </a:p>
-          <a:p>
-            <a:endParaRPr lang="en-US" sz="1400" b="1" dirty="0"/>
+            <a:endParaRPr lang="en-US" sz="1600" b="1" dirty="0"/>
+          </a:p>
+          <a:p>
+            <a:endParaRPr lang="en-US" sz="1600" b="1" dirty="0"/>
           </a:p>
           <a:p>
             <a:pPr rtl="0" fontAlgn="ctr"/>
             <a:r>
-              <a:rPr lang="en-US" sz="1400" dirty="0"/>
+              <a:rPr lang="en-US" sz="1600" dirty="0"/>
               <a:t>The first task of confronting evil is </a:t>
             </a:r>
             <a:r>
-              <a:rPr lang="en-US" sz="1400" b="1" dirty="0"/>
+              <a:rPr lang="en-US" sz="1600" b="1" dirty="0"/>
               <a:t>self-examination</a:t>
             </a:r>
             <a:r>
-              <a:rPr lang="en-US" sz="1400" dirty="0"/>
+              <a:rPr lang="en-US" sz="1600" dirty="0"/>
               <a:t>.</a:t>
             </a:r>
           </a:p>
           <a:p>
             <a:pPr rtl="0" fontAlgn="ctr"/>
             <a:r>
-              <a:rPr lang="en-US" sz="1400" b="1" dirty="0"/>
+              <a:rPr lang="en-US" sz="1600" b="1" dirty="0"/>
               <a:t>No ideology or revolution can “fix humanity,” </a:t>
             </a:r>
             <a:r>
-              <a:rPr lang="en-US" sz="1400" dirty="0"/>
+              <a:rPr lang="en-US" sz="1600" dirty="0"/>
               <a:t>because even if you topple oppressors, evil remains in the hearts of ordinary people.</a:t>
             </a:r>
           </a:p>
           <a:p>
             <a:pPr rtl="0" fontAlgn="ctr"/>
             <a:r>
-              <a:rPr lang="en-US" sz="1400" dirty="0"/>
+              <a:rPr lang="en-US" sz="1600" dirty="0"/>
               <a:t>True freedom and justice require </a:t>
             </a:r>
             <a:r>
-              <a:rPr lang="en-US" sz="1400" b="1" dirty="0"/>
+              <a:rPr lang="en-US" sz="1600" b="1" dirty="0"/>
               <a:t>moral transformation from within</a:t>
             </a:r>
             <a:r>
-              <a:rPr lang="en-US" sz="1400" dirty="0"/>
+              <a:rPr lang="en-US" sz="1600" dirty="0"/>
               <a:t>, not just political change.</a:t>
             </a:r>
           </a:p>
           <a:p>
-            <a:endParaRPr lang="en-US" sz="1400" b="1" dirty="0"/>
-          </a:p>
-          <a:p>
-            <a:r>
-              <a:rPr lang="en-US" sz="1400" b="1" dirty="0"/>
+            <a:endParaRPr lang="en-US" sz="1600" b="1" dirty="0"/>
+          </a:p>
+          <a:p>
+            <a:r>
+              <a:rPr lang="en-US" sz="1600" b="1" dirty="0"/>
               <a:t>Why It Resonates</a:t>
             </a:r>
-            <a:endParaRPr lang="en-US" sz="1400" dirty="0"/>
-          </a:p>
-          <a:p>
-            <a:r>
-              <a:rPr lang="en-US" sz="1400" dirty="0"/>
+            <a:endParaRPr lang="en-US" sz="1600" dirty="0"/>
+          </a:p>
+          <a:p>
+            <a:r>
+              <a:rPr lang="en-US" sz="1600" dirty="0"/>
               <a:t>This quote has endured because it challenges simplistic thinking:</a:t>
             </a:r>
           </a:p>
           <a:p>
             <a:pPr rtl="0" fontAlgn="ctr"/>
             <a:r>
-              <a:rPr lang="en-US" sz="1400" dirty="0"/>
+              <a:rPr lang="en-US" sz="1600" dirty="0"/>
               <a:t>It rejects </a:t>
             </a:r>
             <a:r>
-              <a:rPr lang="en-US" sz="1400" b="1" dirty="0"/>
+              <a:rPr lang="en-US" sz="1600" b="1" dirty="0"/>
               <a:t>the idea that evil is only in “them” </a:t>
             </a:r>
             <a:r>
-              <a:rPr lang="en-US" sz="1400" dirty="0"/>
+              <a:rPr lang="en-US" sz="1600" dirty="0"/>
               <a:t>(the enemy, the other side, the government).</a:t>
             </a:r>
           </a:p>
           <a:p>
             <a:pPr rtl="0" fontAlgn="ctr"/>
             <a:r>
-              <a:rPr lang="en-US" sz="1400" dirty="0"/>
+              <a:rPr lang="en-US" sz="1600" dirty="0"/>
               <a:t>It reminds us that the battle between good and evil is </a:t>
             </a:r>
             <a:r>
-              <a:rPr lang="en-US" sz="1400" b="1" dirty="0"/>
+              <a:rPr lang="en-US" sz="1600" b="1" dirty="0"/>
               <a:t>internal and personal</a:t>
             </a:r>
             <a:r>
-              <a:rPr lang="en-US" sz="1400" dirty="0"/>
+              <a:rPr lang="en-US" sz="1600" dirty="0"/>
               <a:t>.</a:t>
             </a:r>
           </a:p>
           <a:p>
-            <a:endParaRPr lang="en-US" sz="1400" b="1" dirty="0"/>
-          </a:p>
-          <a:p>
-            <a:endParaRPr lang="en-US" sz="1400" dirty="0"/>
+            <a:endParaRPr lang="en-US" sz="1600" b="1" dirty="0"/>
+          </a:p>
+          <a:p>
+            <a:endParaRPr lang="en-US" sz="1600" dirty="0"/>
           </a:p>
           <a:p>
             <a:endParaRPr lang="en-US" dirty="0"/>
@@ -1975,7 +1748,7 @@
         <p:spPr/>
         <p:txBody>
           <a:bodyPr>
-            <a:normAutofit fontScale="92500" lnSpcReduction="20000"/>
+            <a:normAutofit fontScale="32500" lnSpcReduction="20000"/>
           </a:bodyPr>
           <a:lstStyle/>
           <a:p>
@@ -1997,13 +1770,11 @@
             </a:r>
           </a:p>
           <a:p>
+            <a:pPr algn="ctr"/>
             <a:endParaRPr lang="en-US" sz="1400" dirty="0"/>
           </a:p>
           <a:p>
-            <a:endParaRPr lang="en-US" sz="1400" dirty="0"/>
-          </a:p>
-          <a:p>
-            <a:pPr algn="ctr"/>
+            <a:pPr algn="l"/>
             <a:r>
               <a:rPr lang="en-US" sz="1400" b="1" i="1" dirty="0"/>
               <a:t>EXHIBIT A BELIEVING FAITH</a:t>
@@ -2034,7 +1805,7 @@
             <a:endParaRPr lang="en-US" sz="1400" dirty="0"/>
           </a:p>
           <a:p>
-            <a:pPr algn="ctr"/>
+            <a:pPr algn="l"/>
             <a:r>
               <a:rPr lang="en-US" sz="1400" b="1" i="1" dirty="0"/>
               <a:t>REPENT OF YOUR SINS</a:t>
@@ -2065,7 +1836,7 @@
             <a:endParaRPr lang="en-US" sz="1400" b="1" i="1" dirty="0"/>
           </a:p>
           <a:p>
-            <a:pPr algn="ctr"/>
+            <a:pPr algn="l"/>
             <a:r>
               <a:rPr lang="en-US" sz="1400" b="1" i="1" dirty="0"/>
               <a:t>BE BAPTIZED</a:t>
@@ -2096,7 +1867,7 @@
             <a:endParaRPr lang="en-US" sz="1400" b="1" i="1" dirty="0"/>
           </a:p>
           <a:p>
-            <a:pPr algn="ctr"/>
+            <a:pPr algn="l"/>
             <a:r>
               <a:rPr lang="en-US" sz="1400" b="1" i="1" dirty="0"/>
               <a:t>ENDURE TO THE END</a:t>
@@ -2127,7 +1898,7 @@
             <a:endParaRPr lang="en-US" sz="1400" b="1" i="1" dirty="0"/>
           </a:p>
           <a:p>
-            <a:pPr algn="ctr"/>
+            <a:pPr algn="l"/>
             <a:r>
               <a:rPr lang="en-US" sz="1400" b="1" i="1" dirty="0"/>
               <a:t>UNLESS YOU…</a:t>
@@ -2294,146 +2065,11 @@
         <p:spPr/>
         <p:txBody>
           <a:bodyPr>
-            <a:normAutofit fontScale="47500" lnSpcReduction="20000"/>
+            <a:normAutofit fontScale="70000" lnSpcReduction="20000"/>
           </a:bodyPr>
           <a:lstStyle/>
           <a:p>
-            <a:endParaRPr lang="en-US" baseline="0" dirty="0"/>
-          </a:p>
-          <a:p>
-            <a:pPr marL="176079" indent="-176079">
-              <a:buFont typeface="Arial" panose="020B0604020202020204" pitchFamily="34" charset="0"/>
-              <a:buChar char="•"/>
-            </a:pPr>
-            <a:r>
-              <a:rPr lang="en-US" baseline="0" dirty="0"/>
-              <a:t>Why is there such debate about “exactly when is a person saved”?</a:t>
-            </a:r>
-          </a:p>
-          <a:p>
-            <a:pPr marL="176079" indent="-176079">
-              <a:buFont typeface="Arial" panose="020B0604020202020204" pitchFamily="34" charset="0"/>
-              <a:buChar char="•"/>
-            </a:pPr>
-            <a:r>
-              <a:rPr lang="en-US" baseline="0" dirty="0"/>
-              <a:t>What is the “Biblical Plan of Salvation” and the importance that baptism plays in it?</a:t>
-            </a:r>
-          </a:p>
-          <a:p>
-            <a:pPr marL="176079" indent="-176079">
-              <a:buFont typeface="Arial" panose="020B0604020202020204" pitchFamily="34" charset="0"/>
-              <a:buChar char="•"/>
-            </a:pPr>
-            <a:r>
-              <a:rPr lang="en-US" baseline="0" dirty="0"/>
-              <a:t>Did anyone in Apostolic Days ever admonish another to </a:t>
-            </a:r>
-            <a:r>
-              <a:rPr lang="en-US" u="sng" baseline="0" dirty="0"/>
-              <a:t>be “saved” by “saying a Sinner’s Prayer</a:t>
-            </a:r>
-            <a:r>
-              <a:rPr lang="en-US" baseline="0" dirty="0"/>
-              <a:t>”?</a:t>
-            </a:r>
-          </a:p>
-          <a:p>
-            <a:pPr marL="176079" indent="-176079">
-              <a:buFont typeface="Arial" panose="020B0604020202020204" pitchFamily="34" charset="0"/>
-              <a:buChar char="•"/>
-            </a:pPr>
-            <a:r>
-              <a:rPr lang="en-US" baseline="0" dirty="0"/>
-              <a:t>What is the </a:t>
-            </a:r>
-            <a:r>
-              <a:rPr lang="en-US" u="sng" baseline="0" dirty="0"/>
-              <a:t>specific reason and purpose of baptism</a:t>
-            </a:r>
-            <a:r>
-              <a:rPr lang="en-US" baseline="0" dirty="0"/>
-              <a:t>?   </a:t>
-            </a:r>
-          </a:p>
-          <a:p>
-            <a:pPr marL="176079" indent="-176079">
-              <a:buFont typeface="Arial" panose="020B0604020202020204" pitchFamily="34" charset="0"/>
-              <a:buChar char="•"/>
-            </a:pPr>
-            <a:r>
-              <a:rPr lang="en-US" baseline="0" dirty="0"/>
-              <a:t>What is the significance of </a:t>
-            </a:r>
-            <a:r>
-              <a:rPr lang="en-US" u="sng" baseline="0" dirty="0"/>
-              <a:t>being baptized in the Name of </a:t>
-            </a:r>
-            <a:r>
-              <a:rPr lang="en-US" u="sng" baseline="0" dirty="0" err="1"/>
-              <a:t>Yeshua</a:t>
-            </a:r>
-            <a:r>
-              <a:rPr lang="en-US" u="sng" baseline="0" dirty="0"/>
-              <a:t> of Nazareth</a:t>
-            </a:r>
-            <a:r>
-              <a:rPr lang="en-US" baseline="0" dirty="0"/>
-              <a:t>?</a:t>
-            </a:r>
-          </a:p>
-          <a:p>
-            <a:pPr marL="176079" indent="-176079">
-              <a:buFont typeface="Arial" panose="020B0604020202020204" pitchFamily="34" charset="0"/>
-              <a:buChar char="•"/>
-            </a:pPr>
-            <a:r>
-              <a:rPr lang="en-US" baseline="0" dirty="0"/>
-              <a:t>What are certain </a:t>
-            </a:r>
-            <a:r>
-              <a:rPr lang="en-US" u="sng" baseline="0" dirty="0"/>
-              <a:t>objections to the necessity of baptism</a:t>
-            </a:r>
-            <a:r>
-              <a:rPr lang="en-US" baseline="0" dirty="0"/>
-              <a:t>?</a:t>
-            </a:r>
-          </a:p>
-          <a:p>
-            <a:pPr marL="176079" indent="-176079">
-              <a:buFont typeface="Arial" panose="020B0604020202020204" pitchFamily="34" charset="0"/>
-              <a:buChar char="•"/>
-            </a:pPr>
-            <a:r>
-              <a:rPr lang="en-US" baseline="0" dirty="0"/>
-              <a:t>Why it is that we are commanded to </a:t>
-            </a:r>
-            <a:r>
-              <a:rPr lang="en-US" u="sng" baseline="0" dirty="0"/>
-              <a:t>obey a “water” baptism and not a “spirit” baptism</a:t>
-            </a:r>
-            <a:r>
-              <a:rPr lang="en-US" baseline="0" dirty="0"/>
-              <a:t>?</a:t>
-            </a:r>
-          </a:p>
-          <a:p>
-            <a:pPr marL="176079" indent="-176079">
-              <a:buFont typeface="Arial" panose="020B0604020202020204" pitchFamily="34" charset="0"/>
-              <a:buChar char="•"/>
-            </a:pPr>
-            <a:endParaRPr lang="en-US" baseline="0" dirty="0"/>
-          </a:p>
-          <a:p>
-            <a:pPr marL="176079" indent="-176079">
-              <a:buFont typeface="Arial" panose="020B0604020202020204" pitchFamily="34" charset="0"/>
-              <a:buChar char="•"/>
-            </a:pPr>
-            <a:endParaRPr lang="en-US" baseline="0" dirty="0"/>
-          </a:p>
-          <a:p>
-            <a:pPr defTabSz="939089">
+            <a:pPr defTabSz="915048">
               <a:defRPr/>
             </a:pPr>
             <a:r>
@@ -2462,7 +2098,7 @@
             <a:endParaRPr lang="en-US" dirty="0"/>
           </a:p>
           <a:p>
-            <a:pPr defTabSz="939089">
+            <a:pPr defTabSz="915048">
               <a:defRPr/>
             </a:pPr>
             <a:r>
@@ -2478,7 +2114,7 @@
             <a:endParaRPr lang="en-US" dirty="0"/>
           </a:p>
           <a:p>
-            <a:pPr defTabSz="939089">
+            <a:pPr defTabSz="915048">
               <a:defRPr/>
             </a:pPr>
             <a:r>
@@ -2604,23 +2240,6 @@
           </a:p>
           <a:p>
             <a:endParaRPr lang="en-US" dirty="0"/>
-          </a:p>
-          <a:p>
-            <a:endParaRPr lang="en-US" dirty="0"/>
-          </a:p>
-          <a:p>
-            <a:r>
-              <a:rPr lang="en-US" b="1" i="1" dirty="0"/>
-              <a:t>“If anyone says ‘I love God’ and yet hates his fellow Christian, he is a liar because the one who does not love his fellow Christian whom he has seen cannot love God whom he has not seen. And the commandment we have from Him is this: that the one who loves God should love his fellow Christian too. Everyone who believes that Jesus is the Christ has been fathered by God, and everyone who loves the Father loves the child fathered by Him. By this we know that we love the children of God: whenever we love God and obey His commandments. For this is the love of God: that we keep His commandments. And His commandments to not weigh us down, because everyone who has been fathered by God </a:t>
-            </a:r>
-            <a:r>
-              <a:rPr lang="en-US" b="1" i="1" u="sng" dirty="0"/>
-              <a:t>overcomes</a:t>
-            </a:r>
-            <a:r>
-              <a:rPr lang="en-US" b="1" i="1" dirty="0"/>
-              <a:t> the world.”   1 John 4:20 – 5:4</a:t>
-            </a:r>
           </a:p>
           <a:p>
             <a:endParaRPr lang="en-US" dirty="0"/>
@@ -2735,247 +2354,247 @@
         <p:spPr/>
         <p:txBody>
           <a:bodyPr>
-            <a:normAutofit fontScale="40000" lnSpcReduction="20000"/>
+            <a:normAutofit fontScale="47500" lnSpcReduction="20000"/>
           </a:bodyPr>
           <a:lstStyle/>
           <a:p>
             <a:r>
-              <a:rPr lang="en-US" sz="1400" dirty="0"/>
+              <a:rPr lang="en-US" sz="1600" dirty="0"/>
               <a:t>When Paul lists the “fruit of the Spirit” (Gal. 5:22–23)—love, joy, peace, patience, kindness, goodness, faithfulness, gentleness, and self-control—he’s describing the character and conduct that flow out of a life yielded to God’s Spirit. Although the explicit phrase “Holy Spirit” appears less frequently in the Old Testament, several psalms not only point to “living the good life” (i.e., walking in covenant faithfulness and blessing) but also reference or imply the work of God’s Spirit in shaping that life. </a:t>
             </a:r>
           </a:p>
           <a:p>
-            <a:endParaRPr lang="en-US" sz="1400" dirty="0"/>
-          </a:p>
-          <a:p>
-            <a:r>
-              <a:rPr lang="en-US" sz="1400" dirty="0"/>
+            <a:endParaRPr lang="en-US" sz="1600" dirty="0"/>
+          </a:p>
+          <a:p>
+            <a:r>
+              <a:rPr lang="en-US" sz="1600" dirty="0"/>
               <a:t>--------------</a:t>
             </a:r>
           </a:p>
           <a:p>
             <a:r>
-              <a:rPr lang="en-US" sz="1400" dirty="0"/>
+              <a:rPr lang="en-US" sz="1600" dirty="0"/>
               <a:t>In </a:t>
             </a:r>
             <a:r>
-              <a:rPr lang="en-US" sz="1400" b="1" dirty="0"/>
+              <a:rPr lang="en-US" sz="1600" b="1" dirty="0"/>
               <a:t>Jeremiah 31:31–34</a:t>
             </a:r>
             <a:r>
-              <a:rPr lang="en-US" sz="1400" dirty="0"/>
+              <a:rPr lang="en-US" sz="1600" dirty="0"/>
               <a:t>, God promises a “new covenant” in which </a:t>
             </a:r>
             <a:r>
-              <a:rPr lang="en-US" sz="1400" b="1" dirty="0"/>
+              <a:rPr lang="en-US" sz="1600" b="1" dirty="0"/>
               <a:t>His law will be written on people’s hearts</a:t>
             </a:r>
             <a:r>
-              <a:rPr lang="en-US" sz="1400" dirty="0"/>
+              <a:rPr lang="en-US" sz="1600" dirty="0"/>
               <a:t>, and as a result, </a:t>
             </a:r>
             <a:r>
-              <a:rPr lang="en-US" sz="1400" b="1" dirty="0"/>
+              <a:rPr lang="en-US" sz="1600" b="1" dirty="0"/>
               <a:t>“they shall all know me.”</a:t>
             </a:r>
             <a:r>
-              <a:rPr lang="en-US" sz="1400" dirty="0"/>
+              <a:rPr lang="en-US" sz="1600" dirty="0"/>
               <a:t> This new covenant relationship implies an intimate, personal knowledge of God rather than a merely external or secondhand acquaintance. To understand how one can know they truly “know the LORD,” it’s helpful to consider several biblical principles that clarify the nature and evidence of this relationship.</a:t>
             </a:r>
           </a:p>
           <a:p>
-            <a:endParaRPr lang="en-US" sz="1400" dirty="0"/>
-          </a:p>
-          <a:p>
-            <a:r>
-              <a:rPr lang="en-US" sz="1400" b="1" dirty="0"/>
+            <a:endParaRPr lang="en-US" sz="1600" dirty="0"/>
+          </a:p>
+          <a:p>
+            <a:r>
+              <a:rPr lang="en-US" sz="1600" b="1" dirty="0"/>
               <a:t> 1. An Internal, Heart-Level Knowledge</a:t>
             </a:r>
             <a:r>
-              <a:rPr lang="en-US" sz="1400" dirty="0"/>
+              <a:rPr lang="en-US" sz="1600" dirty="0"/>
               <a:t>:   </a:t>
             </a:r>
           </a:p>
           <a:p>
             <a:r>
-              <a:rPr lang="en-US" sz="1400" dirty="0"/>
+              <a:rPr lang="en-US" sz="1600" dirty="0"/>
               <a:t>   Under the new covenant, God’s law is not just a set of external rules; it is internalized. This indicates that truly knowing the LORD involves a changed heart—a shift from merely following religious observances to experiencing a genuine inward transformation (</a:t>
             </a:r>
             <a:r>
-              <a:rPr lang="en-US" sz="1400" b="1" dirty="0"/>
+              <a:rPr lang="en-US" sz="1600" b="1" dirty="0"/>
               <a:t>Jeremiah 31:33</a:t>
             </a:r>
             <a:r>
-              <a:rPr lang="en-US" sz="1400" dirty="0"/>
+              <a:rPr lang="en-US" sz="1600" dirty="0"/>
               <a:t>). Thus, </a:t>
             </a:r>
             <a:r>
-              <a:rPr lang="en-US" sz="1400" u="sng" dirty="0"/>
+              <a:rPr lang="en-US" sz="1600" u="sng" dirty="0"/>
               <a:t>one sign of knowing the Lord is the deep, inner desire to love, honor, and please Him, not because of external pressure, but because one’s heart has been made new</a:t>
             </a:r>
             <a:r>
-              <a:rPr lang="en-US" sz="1400" dirty="0"/>
+              <a:rPr lang="en-US" sz="1600" dirty="0"/>
               <a:t>.</a:t>
             </a:r>
           </a:p>
           <a:p>
-            <a:endParaRPr lang="en-US" sz="1400" dirty="0"/>
-          </a:p>
-          <a:p>
-            <a:r>
-              <a:rPr lang="en-US" sz="1400" b="1" dirty="0"/>
+            <a:endParaRPr lang="en-US" sz="1600" dirty="0"/>
+          </a:p>
+          <a:p>
+            <a:r>
+              <a:rPr lang="en-US" sz="1600" b="1" dirty="0"/>
               <a:t> 2. A Personal Relationship Through Christ:   </a:t>
             </a:r>
           </a:p>
           <a:p>
             <a:r>
-              <a:rPr lang="en-US" sz="1400" dirty="0"/>
+              <a:rPr lang="en-US" sz="1600" dirty="0"/>
               <a:t>   The New Testament reveals that </a:t>
             </a:r>
             <a:r>
-              <a:rPr lang="en-US" sz="1400" u="sng" dirty="0"/>
+              <a:rPr lang="en-US" sz="1600" u="sng" dirty="0"/>
               <a:t>Jesus Christ mediates this new covenant</a:t>
             </a:r>
             <a:r>
-              <a:rPr lang="en-US" sz="1400" dirty="0"/>
+              <a:rPr lang="en-US" sz="1600" dirty="0"/>
               <a:t>. Through faith in Christ’s death and resurrection, believers enter into a restored relationship with God (Hebrews 8:6–12, John 14:6). </a:t>
             </a:r>
             <a:r>
-              <a:rPr lang="en-US" sz="1400" u="sng" dirty="0"/>
+              <a:rPr lang="en-US" sz="1600" u="sng" dirty="0"/>
               <a:t>Knowing the Lord, then, is inseparable from knowing Christ</a:t>
             </a:r>
             <a:r>
-              <a:rPr lang="en-US" sz="1400" dirty="0"/>
+              <a:rPr lang="en-US" sz="1600" dirty="0"/>
               <a:t>. If you have placed your trust in Jesus, believing His sacrifice for your sins, and have become His disciple, </a:t>
             </a:r>
             <a:r>
-              <a:rPr lang="en-US" sz="1400" u="sng" dirty="0"/>
+              <a:rPr lang="en-US" sz="1600" u="sng" dirty="0"/>
               <a:t>this faith relationship is a foundational indicator that you know God</a:t>
             </a:r>
             <a:r>
-              <a:rPr lang="en-US" sz="1400" dirty="0"/>
+              <a:rPr lang="en-US" sz="1600" dirty="0"/>
               <a:t>.</a:t>
             </a:r>
           </a:p>
           <a:p>
-            <a:endParaRPr lang="en-US" sz="1400" dirty="0"/>
-          </a:p>
-          <a:p>
-            <a:r>
-              <a:rPr lang="en-US" sz="1400" b="1" dirty="0"/>
+            <a:endParaRPr lang="en-US" sz="1600" dirty="0"/>
+          </a:p>
+          <a:p>
+            <a:r>
+              <a:rPr lang="en-US" sz="1600" b="1" dirty="0"/>
               <a:t> 3. Obedience as a Sign of Knowledge:   </a:t>
             </a:r>
           </a:p>
           <a:p>
             <a:r>
-              <a:rPr lang="en-US" sz="1400" dirty="0"/>
+              <a:rPr lang="en-US" sz="1600" dirty="0"/>
               <a:t>   First John gives practical tests for knowing God:  </a:t>
             </a:r>
           </a:p>
           <a:p>
-            <a:pPr marL="481718" lvl="1"/>
-            <a:r>
-              <a:rPr lang="en-US" sz="1400" b="1" dirty="0"/>
+            <a:pPr marL="469386" lvl="1"/>
+            <a:r>
+              <a:rPr lang="en-US" sz="1600" b="1" dirty="0"/>
               <a:t>1 John 2:3–6</a:t>
             </a:r>
             <a:r>
-              <a:rPr lang="en-US" sz="1400" dirty="0"/>
+              <a:rPr lang="en-US" sz="1600" dirty="0"/>
               <a:t>: </a:t>
             </a:r>
             <a:r>
-              <a:rPr lang="en-US" sz="1400" b="1" i="1" u="sng" dirty="0"/>
+              <a:rPr lang="en-US" sz="1600" b="1" i="1" u="sng" dirty="0"/>
               <a:t>Now by this we know that we know Him, if we keep His commandments</a:t>
             </a:r>
             <a:r>
-              <a:rPr lang="en-US" sz="1400" i="1" dirty="0"/>
+              <a:rPr lang="en-US" sz="1600" i="1" dirty="0"/>
               <a:t>. He who says, "I know Him," and does not keep His commandments, is a liar, and the truth is not in him. But whoever keeps His word, truly the love of God is perfected in him. By this we know that we are in Him. He who says he abides in Him ought himself also to walk just as He walked. </a:t>
             </a:r>
           </a:p>
           <a:p>
-            <a:endParaRPr lang="en-US" sz="1400" dirty="0"/>
-          </a:p>
-          <a:p>
-            <a:r>
-              <a:rPr lang="en-US" sz="1400" b="1" dirty="0"/>
+            <a:endParaRPr lang="en-US" sz="1600" dirty="0"/>
+          </a:p>
+          <a:p>
+            <a:r>
+              <a:rPr lang="en-US" sz="1600" b="1" dirty="0"/>
               <a:t> 4. Love as the Outflow of Knowing God:   </a:t>
             </a:r>
           </a:p>
           <a:p>
             <a:r>
-              <a:rPr lang="en-US" sz="1400" dirty="0"/>
+              <a:rPr lang="en-US" sz="1600" dirty="0"/>
               <a:t>   Another test of knowing the Lord is found in love.  </a:t>
             </a:r>
           </a:p>
           <a:p>
             <a:pPr lvl="1"/>
             <a:r>
-              <a:rPr lang="en-US" sz="1400" b="1" dirty="0"/>
+              <a:rPr lang="en-US" sz="1600" b="1" dirty="0"/>
               <a:t>1 John 4:7–12 </a:t>
             </a:r>
             <a:r>
-              <a:rPr lang="en-US" sz="1400" dirty="0"/>
+              <a:rPr lang="en-US" sz="1600" dirty="0"/>
               <a:t>: </a:t>
             </a:r>
             <a:r>
-              <a:rPr lang="en-US" sz="1400" i="1" dirty="0"/>
+              <a:rPr lang="en-US" sz="1600" i="1" dirty="0"/>
               <a:t>Beloved, let us love one another, for love is of God; and </a:t>
             </a:r>
             <a:r>
-              <a:rPr lang="en-US" sz="1400" b="1" i="1" u="sng" dirty="0"/>
+              <a:rPr lang="en-US" sz="1600" b="1" i="1" u="sng" dirty="0"/>
               <a:t>everyone who loves is born of God and knows God</a:t>
             </a:r>
             <a:r>
-              <a:rPr lang="en-US" sz="1400" i="1" dirty="0"/>
+              <a:rPr lang="en-US" sz="1600" i="1" dirty="0"/>
               <a:t>. </a:t>
             </a:r>
             <a:r>
-              <a:rPr lang="en-US" sz="1400" b="1" i="1" u="sng" dirty="0"/>
+              <a:rPr lang="en-US" sz="1600" b="1" i="1" u="sng" dirty="0"/>
               <a:t>He who does not love does not know God</a:t>
             </a:r>
             <a:r>
-              <a:rPr lang="en-US" sz="1400" i="1" dirty="0"/>
+              <a:rPr lang="en-US" sz="1600" i="1" dirty="0"/>
               <a:t>, for God is love. In this the love of God was manifested toward us, that God has sent His only begotten Son into the world, that we might live through Him. In this is love, not that we loved God, but that He loved us and sent His Son to be the propitiation for our sins. Beloved, if God so loved us, we also ought to love one another. No one has seen God at any time. If we love one another, God abides in us, and His love has been perfected in us. </a:t>
             </a:r>
           </a:p>
           <a:p>
-            <a:endParaRPr lang="en-US" sz="1400" dirty="0"/>
-          </a:p>
-          <a:p>
-            <a:r>
-              <a:rPr lang="en-US" sz="1400" b="1" dirty="0"/>
+            <a:endParaRPr lang="en-US" sz="1600" dirty="0"/>
+          </a:p>
+          <a:p>
+            <a:r>
+              <a:rPr lang="en-US" sz="1600" b="1" dirty="0"/>
               <a:t> 5. The Witness of the Holy Spirit:   </a:t>
             </a:r>
           </a:p>
           <a:p>
             <a:r>
-              <a:rPr lang="en-US" sz="1400" dirty="0"/>
+              <a:rPr lang="en-US" sz="1600" dirty="0"/>
               <a:t> Under the new covenant, God’s Spirit dwells within believers:  </a:t>
             </a:r>
           </a:p>
           <a:p>
             <a:pPr lvl="1"/>
             <a:r>
-              <a:rPr lang="en-US" sz="1400" b="1" dirty="0"/>
+              <a:rPr lang="en-US" sz="1600" b="1" dirty="0"/>
               <a:t>Romans 8:12-17 : </a:t>
             </a:r>
             <a:r>
-              <a:rPr lang="en-US" sz="1400" i="1" dirty="0"/>
+              <a:rPr lang="en-US" sz="1600" i="1" dirty="0"/>
               <a:t>Therefore, brethren, we are debtors—not to the flesh, to live according to the flesh. For if you live according to the flesh you will die; but if by the Spirit you put to death the deeds of the body, you will live. </a:t>
             </a:r>
             <a:r>
-              <a:rPr lang="en-US" sz="1400" b="1" i="1" u="sng" dirty="0"/>
+              <a:rPr lang="en-US" sz="1600" b="1" i="1" u="sng" dirty="0"/>
               <a:t>For as many as are led by the Spirit of God, these are sons of God</a:t>
             </a:r>
             <a:r>
-              <a:rPr lang="en-US" sz="1400" i="1" dirty="0"/>
+              <a:rPr lang="en-US" sz="1600" i="1" dirty="0"/>
               <a:t>. For you did not receive the spirit of bondage again to fear, but you received the Spirit of adoption by whom we cry out, "Abba, Father." </a:t>
             </a:r>
             <a:r>
-              <a:rPr lang="en-US" sz="1400" b="1" i="1" u="sng" dirty="0"/>
+              <a:rPr lang="en-US" sz="1600" b="1" i="1" u="sng" dirty="0"/>
               <a:t>The Spirit Himself bears witness with our spirit that we are children of God</a:t>
             </a:r>
             <a:r>
-              <a:rPr lang="en-US" sz="1400" i="1" dirty="0"/>
+              <a:rPr lang="en-US" sz="1600" i="1" dirty="0"/>
               <a:t>, and if children, then heirs—heirs of God and joint heirs with Christ, if indeed we suffer with Him, that we may also be glorified together. </a:t>
             </a:r>
           </a:p>
@@ -3074,11 +2693,11 @@
         <p:spPr/>
         <p:txBody>
           <a:bodyPr>
-            <a:normAutofit fontScale="40000" lnSpcReduction="20000"/>
+            <a:normAutofit fontScale="47500" lnSpcReduction="20000"/>
           </a:bodyPr>
           <a:lstStyle/>
           <a:p>
-            <a:pPr defTabSz="939089"/>
+            <a:pPr defTabSz="915048"/>
             <a:r>
               <a:rPr lang="en-US" sz="1400" b="1" dirty="0"/>
               <a:t>Col 3:1-17  </a:t>
@@ -3100,15 +2719,6 @@
             <a:endParaRPr lang="en-US" sz="1400" dirty="0"/>
           </a:p>
           <a:p>
-            <a:endParaRPr lang="en-US" sz="1400" dirty="0"/>
-          </a:p>
-          <a:p>
-            <a:endParaRPr lang="en-US" sz="1400" dirty="0"/>
-          </a:p>
-          <a:p>
-            <a:endParaRPr lang="en-US" sz="1400" dirty="0"/>
-          </a:p>
-          <a:p>
             <a:r>
               <a:rPr lang="en-US" sz="1400" b="1" dirty="0"/>
               <a:t>1 Timothy 4:12 </a:t>
@@ -3155,9 +2765,6 @@
             <a:endParaRPr lang="en-US" sz="1400" dirty="0"/>
           </a:p>
           <a:p>
-            <a:endParaRPr lang="en-US" sz="1400" dirty="0"/>
-          </a:p>
-          <a:p>
             <a:r>
               <a:rPr lang="en-US" sz="1400" dirty="0"/>
               <a:t>Rom 12:1-2  Therefore I exhort you, brothers and sisters, by the mercies of God, to present your bodies as a sacrifice – alive, holy, and pleasing to God – which is your reasonable service.  (2)  Do not be conformed to this present world, but be transformed by the renewing of your mind, so that you may test and approve what is the will of God – what is good and well-pleasing and perfect.</a:t>
@@ -3167,7 +2774,7 @@
             <a:endParaRPr lang="en-US" sz="1400" dirty="0"/>
           </a:p>
           <a:p>
-            <a:pPr defTabSz="939089">
+            <a:pPr defTabSz="915048">
               <a:defRPr/>
             </a:pPr>
             <a:r>
@@ -3302,7 +2909,7 @@
         <p:spPr/>
         <p:txBody>
           <a:bodyPr>
-            <a:normAutofit fontScale="47500" lnSpcReduction="20000"/>
+            <a:normAutofit/>
           </a:bodyPr>
           <a:lstStyle/>
           <a:p>
@@ -3315,7 +2922,7 @@
             <a:endParaRPr lang="en-US" dirty="0"/>
           </a:p>
           <a:p>
-            <a:pPr marL="234772" indent="-234772">
+            <a:pPr marL="228762" indent="-228762">
               <a:buAutoNum type="arabicPeriod"/>
             </a:pPr>
             <a:r>
@@ -3324,7 +2931,7 @@
             </a:r>
           </a:p>
           <a:p>
-            <a:pPr marL="234772" indent="-234772">
+            <a:pPr marL="228762" indent="-228762">
               <a:buAutoNum type="arabicPeriod"/>
             </a:pPr>
             <a:r>
@@ -3333,7 +2940,7 @@
             </a:r>
           </a:p>
           <a:p>
-            <a:pPr marL="234772" indent="-234772">
+            <a:pPr marL="228762" indent="-228762">
               <a:buAutoNum type="arabicPeriod"/>
             </a:pPr>
             <a:r>
@@ -3342,7 +2949,7 @@
             </a:r>
           </a:p>
           <a:p>
-            <a:pPr marL="234772" indent="-234772">
+            <a:pPr marL="228762" indent="-228762">
               <a:buAutoNum type="arabicPeriod"/>
             </a:pPr>
             <a:r>
@@ -3351,7 +2958,7 @@
             </a:r>
           </a:p>
           <a:p>
-            <a:pPr marL="234772" indent="-234772">
+            <a:pPr marL="228762" indent="-228762">
               <a:buAutoNum type="arabicPeriod"/>
             </a:pPr>
             <a:r>
@@ -3360,7 +2967,7 @@
             </a:r>
           </a:p>
           <a:p>
-            <a:pPr marL="234772" indent="-234772">
+            <a:pPr marL="228762" indent="-228762">
               <a:buAutoNum type="arabicPeriod"/>
             </a:pPr>
             <a:endParaRPr lang="en-US" dirty="0"/>
@@ -3375,237 +2982,18 @@
             <a:endParaRPr lang="en-US" dirty="0"/>
           </a:p>
           <a:p>
-            <a:r>
-              <a:rPr lang="en-US" b="1" dirty="0"/>
-              <a:t>Perspective on why God operates the way that He has in human history…</a:t>
-            </a:r>
-          </a:p>
-          <a:p>
+            <a:pPr defTabSz="890991"/>
+            <a:r>
+              <a:rPr lang="en-US" dirty="0"/>
+              <a:t>God’s Problem and Man’s Need (The Law of Sin and Death </a:t>
+            </a:r>
+            <a:r>
+              <a:rPr lang="en-US" dirty="0">
+                <a:sym typeface="Wingdings" panose="05000000000000000000" pitchFamily="2" charset="2"/>
+              </a:rPr>
+              <a:t> Faith in God’s Grace and Mercy)</a:t>
+            </a:r>
             <a:endParaRPr lang="en-US" dirty="0"/>
-          </a:p>
-          <a:p>
-            <a:r>
-              <a:rPr lang="en-US" b="1" dirty="0"/>
-              <a:t>Aleksandr Solzhenitsyn was a Russian novelist and dissident who survived the Soviet gulag labor camps. His book </a:t>
-            </a:r>
-            <a:r>
-              <a:rPr lang="en-US" b="1" i="1" dirty="0"/>
-              <a:t>The Gulag Archipelago</a:t>
-            </a:r>
-            <a:r>
-              <a:rPr lang="en-US" b="1" dirty="0"/>
-              <a:t> (1973) exposed the massive system of political repression in the USSR, combining his own experiences with testimonies from hundreds of prisoners. It shattered illusions about Soviet communism in the West and helped erode the Soviet regime’s moral authority.</a:t>
-            </a:r>
-            <a:endParaRPr lang="en-US" dirty="0"/>
-          </a:p>
-          <a:p>
-            <a:r>
-              <a:rPr lang="en-US" dirty="0"/>
-              <a:t> </a:t>
-            </a:r>
-          </a:p>
-          <a:p>
-            <a:r>
-              <a:rPr lang="en-US" dirty="0"/>
-              <a:t>A famous line from </a:t>
-            </a:r>
-            <a:r>
-              <a:rPr lang="en-US" i="1" dirty="0"/>
-              <a:t>The Gulag Archipelago</a:t>
-            </a:r>
-            <a:r>
-              <a:rPr lang="en-US" dirty="0"/>
-              <a:t> is:</a:t>
-            </a:r>
-          </a:p>
-          <a:p>
-            <a:r>
-              <a:rPr lang="en-US" b="1" dirty="0"/>
-              <a:t>“The line dividing good and evil cuts through the heart of every human being.”</a:t>
-            </a:r>
-            <a:endParaRPr lang="en-US" dirty="0"/>
-          </a:p>
-          <a:p>
-            <a:r>
-              <a:rPr lang="en-US" dirty="0"/>
-              <a:t>Sometimes it’s paraphrased as </a:t>
-            </a:r>
-            <a:r>
-              <a:rPr lang="en-US" i="1" dirty="0"/>
-              <a:t>“the line between good and evil runs through every human heart.”</a:t>
-            </a:r>
-            <a:endParaRPr lang="en-US" dirty="0"/>
-          </a:p>
-          <a:p>
-            <a:r>
-              <a:rPr lang="en-US" dirty="0"/>
-              <a:t> </a:t>
-            </a:r>
-          </a:p>
-          <a:p>
-            <a:r>
-              <a:rPr lang="en-US" b="1" dirty="0"/>
-              <a:t>Context in </a:t>
-            </a:r>
-            <a:r>
-              <a:rPr lang="en-US" b="1" i="1" dirty="0"/>
-              <a:t>The Gulag Archipelago</a:t>
-            </a:r>
-            <a:endParaRPr lang="en-US" dirty="0"/>
-          </a:p>
-          <a:p>
-            <a:r>
-              <a:rPr lang="en-US" dirty="0"/>
-              <a:t>Solzhenitsyn reflects on what he learned while imprisoned in the Soviet gulag system. He expected that “evil” was only something done by cruel guards, corrupt officials, or dictators like Stalin. But in prison he realized it was more complicated:</a:t>
-            </a:r>
-          </a:p>
-          <a:p>
-            <a:pPr rtl="0" fontAlgn="ctr"/>
-            <a:r>
-              <a:rPr lang="en-US" dirty="0"/>
-              <a:t>Evil isn’t just an external force embodied by villains “out there.”</a:t>
-            </a:r>
-          </a:p>
-          <a:p>
-            <a:pPr rtl="0" fontAlgn="ctr"/>
-            <a:r>
-              <a:rPr lang="en-US" dirty="0"/>
-              <a:t>Each human being has the </a:t>
-            </a:r>
-            <a:r>
-              <a:rPr lang="en-US" b="1" dirty="0"/>
-              <a:t>capacity for both good and evil</a:t>
-            </a:r>
-            <a:r>
-              <a:rPr lang="en-US" dirty="0"/>
-              <a:t> within themselves.</a:t>
-            </a:r>
-          </a:p>
-          <a:p>
-            <a:pPr rtl="0" fontAlgn="ctr"/>
-            <a:r>
-              <a:rPr lang="en-US" dirty="0"/>
-              <a:t>Even in the gulag, he observed that some prisoners betrayed others for survival, while others sacrificed for strangers.</a:t>
-            </a:r>
-          </a:p>
-          <a:p>
-            <a:r>
-              <a:rPr lang="en-US" dirty="0"/>
-              <a:t>This realization transformed his worldview. He stopped seeing history as a battle of “good people vs. bad people” and instead as a struggle </a:t>
-            </a:r>
-            <a:r>
-              <a:rPr lang="en-US" b="1" dirty="0"/>
-              <a:t>within each person</a:t>
-            </a:r>
-            <a:r>
-              <a:rPr lang="en-US" dirty="0"/>
-              <a:t>.</a:t>
-            </a:r>
-          </a:p>
-          <a:p>
-            <a:r>
-              <a:rPr lang="en-US" dirty="0"/>
-              <a:t> </a:t>
-            </a:r>
-          </a:p>
-          <a:p>
-            <a:r>
-              <a:rPr lang="en-US" b="1" dirty="0"/>
-              <a:t>His Perspective</a:t>
-            </a:r>
-            <a:endParaRPr lang="en-US" dirty="0"/>
-          </a:p>
-          <a:p>
-            <a:r>
-              <a:rPr lang="en-US" dirty="0"/>
-              <a:t>Solzhenitsyn’s insight was deeply shaped by his </a:t>
-            </a:r>
-            <a:r>
-              <a:rPr lang="en-US" b="1" dirty="0"/>
-              <a:t>Christian and moral awakening</a:t>
-            </a:r>
-            <a:r>
-              <a:rPr lang="en-US" dirty="0"/>
-              <a:t> while in prison. He came to believe:</a:t>
-            </a:r>
-          </a:p>
-          <a:p>
-            <a:pPr rtl="0" fontAlgn="ctr"/>
-            <a:r>
-              <a:rPr lang="en-US" dirty="0"/>
-              <a:t>The first task of confronting evil is </a:t>
-            </a:r>
-            <a:r>
-              <a:rPr lang="en-US" b="1" dirty="0"/>
-              <a:t>self-examination</a:t>
-            </a:r>
-            <a:r>
-              <a:rPr lang="en-US" dirty="0"/>
-              <a:t>.</a:t>
-            </a:r>
-          </a:p>
-          <a:p>
-            <a:pPr rtl="0" fontAlgn="ctr"/>
-            <a:r>
-              <a:rPr lang="en-US" dirty="0"/>
-              <a:t>No ideology or revolution can “fix humanity,” because even if you topple oppressors, evil remains in the hearts of ordinary people.</a:t>
-            </a:r>
-          </a:p>
-          <a:p>
-            <a:pPr rtl="0" fontAlgn="ctr"/>
-            <a:r>
-              <a:rPr lang="en-US" dirty="0"/>
-              <a:t>True freedom and justice require </a:t>
-            </a:r>
-            <a:r>
-              <a:rPr lang="en-US" b="1" dirty="0"/>
-              <a:t>moral transformation from within</a:t>
-            </a:r>
-            <a:r>
-              <a:rPr lang="en-US" dirty="0"/>
-              <a:t>, not just political change.</a:t>
-            </a:r>
-          </a:p>
-          <a:p>
-            <a:r>
-              <a:rPr lang="en-US" dirty="0"/>
-              <a:t> </a:t>
-            </a:r>
-          </a:p>
-          <a:p>
-            <a:r>
-              <a:rPr lang="en-US" b="1" dirty="0"/>
-              <a:t>Why It Resonates</a:t>
-            </a:r>
-            <a:endParaRPr lang="en-US" dirty="0"/>
-          </a:p>
-          <a:p>
-            <a:r>
-              <a:rPr lang="en-US" dirty="0"/>
-              <a:t>This quote has endured because it challenges simplistic thinking:</a:t>
-            </a:r>
-          </a:p>
-          <a:p>
-            <a:pPr rtl="0" fontAlgn="ctr"/>
-            <a:r>
-              <a:rPr lang="en-US" dirty="0"/>
-              <a:t>It rejects the idea that evil is only in “them” (the enemy, the other side, the government).</a:t>
-            </a:r>
-          </a:p>
-          <a:p>
-            <a:pPr rtl="0" fontAlgn="ctr"/>
-            <a:r>
-              <a:rPr lang="en-US" dirty="0"/>
-              <a:t>It reminds us that the battle between good and evil is </a:t>
-            </a:r>
-            <a:r>
-              <a:rPr lang="en-US" b="1" dirty="0"/>
-              <a:t>internal and personal</a:t>
-            </a:r>
-            <a:r>
-              <a:rPr lang="en-US" dirty="0"/>
-              <a:t>.</a:t>
-            </a:r>
           </a:p>
           <a:p>
             <a:endParaRPr lang="en-US" dirty="0"/>
@@ -8230,7 +7618,7 @@
                   </a:schemeClr>
                 </a:solidFill>
               </a:rPr>
-              <a:t>Total Commitment </a:t>
+              <a:t>Total Commitment</a:t>
             </a:r>
             <a:r>
               <a:rPr lang="en-US" sz="2400" dirty="0">
@@ -8241,7 +7629,7 @@
                   </a:schemeClr>
                 </a:solidFill>
               </a:rPr>
-              <a:t>religion</a:t>
+              <a:t> religion</a:t>
             </a:r>
           </a:p>
         </p:txBody>
@@ -9817,7 +9205,7 @@
             <a:pPr algn="l"/>
             <a:r>
               <a:rPr lang="en-US" dirty="0"/>
-              <a:t>It is the gift of God</a:t>
+              <a:t>It is the Gift of God</a:t>
             </a:r>
             <a:br>
               <a:rPr lang="en-US" dirty="0"/>
@@ -10029,11 +9417,11 @@
             </a:r>
             <a:r>
               <a:rPr lang="en-US" sz="2000" b="1" u="sng" dirty="0"/>
-              <a:t>repent,</a:t>
+              <a:t>repent</a:t>
             </a:r>
             <a:r>
               <a:rPr lang="en-US" sz="2000" b="1" dirty="0"/>
-              <a:t> we will perish.</a:t>
+              <a:t>, we will perish.</a:t>
             </a:r>
             <a:r>
               <a:rPr lang="en-US" sz="2000" dirty="0"/>
@@ -11660,7 +11048,7 @@
         </p:nvSpPr>
         <p:spPr>
           <a:xfrm>
-            <a:off x="384544" y="3124200"/>
+            <a:off x="398721" y="3089018"/>
             <a:ext cx="8350102" cy="3352800"/>
           </a:xfrm>
           <a:prstGeom prst="horizontalScroll">
